--- a/Source/Cooking With CQL/69/ColorectalCancerScreeningExample.pptx
+++ b/Source/Cooking With CQL/69/ColorectalCancerScreeningExample.pptx
@@ -9,6 +9,9 @@
     <p:sldId id="4820" r:id="rId3"/>
     <p:sldId id="4824" r:id="rId4"/>
     <p:sldId id="4825" r:id="rId5"/>
+    <p:sldId id="4826" r:id="rId6"/>
+    <p:sldId id="4827" r:id="rId7"/>
+    <p:sldId id="4828" r:id="rId8"/>
   </p:sldIdLst>
   <p:sldSz cx="12192000" cy="6858000"/>
   <p:notesSz cx="6858000" cy="9144000"/>
@@ -107,6 +110,11 @@
       </a:defRPr>
     </a:lvl9pPr>
   </p:defaultTextStyle>
+  <p:extLst>
+    <p:ext uri="{EFAFB233-063F-42B5-8137-9DF3F51BA10A}">
+      <p15:sldGuideLst xmlns:p15="http://schemas.microsoft.com/office/powerpoint/2012/main"/>
+    </p:ext>
+  </p:extLst>
 </p:presentation>
 </file>
 
@@ -3831,6 +3839,381 @@
 </p:sld>
 </file>
 
+<file path=ppt/slides/slide5.xml><?xml version="1.0" encoding="utf-8"?>
+<p:sld xmlns:a="http://schemas.openxmlformats.org/drawingml/2006/main" xmlns:r="http://schemas.openxmlformats.org/officeDocument/2006/relationships" xmlns:p="http://schemas.openxmlformats.org/presentationml/2006/main">
+  <p:cSld>
+    <p:spTree>
+      <p:nvGrpSpPr>
+        <p:cNvPr id="1" name=""/>
+        <p:cNvGrpSpPr/>
+        <p:nvPr/>
+      </p:nvGrpSpPr>
+      <p:grpSpPr>
+        <a:xfrm>
+          <a:off x="0" y="0"/>
+          <a:ext cx="0" cy="0"/>
+          <a:chOff x="0" y="0"/>
+          <a:chExt cx="0" cy="0"/>
+        </a:xfrm>
+      </p:grpSpPr>
+      <p:sp>
+        <p:nvSpPr>
+          <p:cNvPr id="2" name="Title 1">
+            <a:extLst>
+              <a:ext uri="{FF2B5EF4-FFF2-40B4-BE49-F238E27FC236}">
+                <a16:creationId xmlns:a16="http://schemas.microsoft.com/office/drawing/2014/main" id="{2FFFD6C0-EF1C-3FC1-1710-91A42A0D616B}"/>
+              </a:ext>
+            </a:extLst>
+          </p:cNvPr>
+          <p:cNvSpPr>
+            <a:spLocks noGrp="1"/>
+          </p:cNvSpPr>
+          <p:nvPr>
+            <p:ph type="title"/>
+          </p:nvPr>
+        </p:nvSpPr>
+        <p:spPr/>
+        <p:txBody>
+          <a:bodyPr/>
+          <a:lstStyle/>
+          <a:p>
+            <a:r>
+              <a:rPr lang="en-US" dirty="0"/>
+              <a:t>Concepts</a:t>
+            </a:r>
+          </a:p>
+        </p:txBody>
+      </p:sp>
+      <p:pic>
+        <p:nvPicPr>
+          <p:cNvPr id="5" name="Picture 4">
+            <a:extLst>
+              <a:ext uri="{FF2B5EF4-FFF2-40B4-BE49-F238E27FC236}">
+                <a16:creationId xmlns:a16="http://schemas.microsoft.com/office/drawing/2014/main" id="{1EFBBAEE-0C81-B426-4D34-4CF92F8771D4}"/>
+              </a:ext>
+            </a:extLst>
+          </p:cNvPr>
+          <p:cNvPicPr>
+            <a:picLocks noChangeAspect="1"/>
+          </p:cNvPicPr>
+          <p:nvPr/>
+        </p:nvPicPr>
+        <p:blipFill>
+          <a:blip r:embed="rId2"/>
+          <a:stretch>
+            <a:fillRect/>
+          </a:stretch>
+        </p:blipFill>
+        <p:spPr>
+          <a:xfrm>
+            <a:off x="838200" y="2298985"/>
+            <a:ext cx="10564283" cy="1919815"/>
+          </a:xfrm>
+          <a:prstGeom prst="rect">
+            <a:avLst/>
+          </a:prstGeom>
+        </p:spPr>
+      </p:pic>
+    </p:spTree>
+    <p:extLst>
+      <p:ext uri="{BB962C8B-B14F-4D97-AF65-F5344CB8AC3E}">
+        <p14:creationId xmlns:p14="http://schemas.microsoft.com/office/powerpoint/2010/main" val="368809443"/>
+      </p:ext>
+    </p:extLst>
+  </p:cSld>
+  <p:clrMapOvr>
+    <a:masterClrMapping/>
+  </p:clrMapOvr>
+</p:sld>
+</file>
+
+<file path=ppt/slides/slide6.xml><?xml version="1.0" encoding="utf-8"?>
+<p:sld xmlns:a="http://schemas.openxmlformats.org/drawingml/2006/main" xmlns:r="http://schemas.openxmlformats.org/officeDocument/2006/relationships" xmlns:p="http://schemas.openxmlformats.org/presentationml/2006/main">
+  <p:cSld>
+    <p:spTree>
+      <p:nvGrpSpPr>
+        <p:cNvPr id="1" name=""/>
+        <p:cNvGrpSpPr/>
+        <p:nvPr/>
+      </p:nvGrpSpPr>
+      <p:grpSpPr>
+        <a:xfrm>
+          <a:off x="0" y="0"/>
+          <a:ext cx="0" cy="0"/>
+          <a:chOff x="0" y="0"/>
+          <a:chExt cx="0" cy="0"/>
+        </a:xfrm>
+      </p:grpSpPr>
+      <p:sp>
+        <p:nvSpPr>
+          <p:cNvPr id="2" name="Title 1">
+            <a:extLst>
+              <a:ext uri="{FF2B5EF4-FFF2-40B4-BE49-F238E27FC236}">
+                <a16:creationId xmlns:a16="http://schemas.microsoft.com/office/drawing/2014/main" id="{DD002DE1-3EF3-02A5-3794-093CF5E4DA7F}"/>
+              </a:ext>
+            </a:extLst>
+          </p:cNvPr>
+          <p:cNvSpPr>
+            <a:spLocks noGrp="1"/>
+          </p:cNvSpPr>
+          <p:nvPr>
+            <p:ph type="title"/>
+          </p:nvPr>
+        </p:nvSpPr>
+        <p:spPr/>
+        <p:txBody>
+          <a:bodyPr/>
+          <a:lstStyle/>
+          <a:p>
+            <a:r>
+              <a:rPr lang="en-US" dirty="0"/>
+              <a:t>Data Elements</a:t>
+            </a:r>
+          </a:p>
+        </p:txBody>
+      </p:sp>
+      <p:sp>
+        <p:nvSpPr>
+          <p:cNvPr id="3" name="Content Placeholder 2">
+            <a:extLst>
+              <a:ext uri="{FF2B5EF4-FFF2-40B4-BE49-F238E27FC236}">
+                <a16:creationId xmlns:a16="http://schemas.microsoft.com/office/drawing/2014/main" id="{BA5CC15C-D4E9-2D7B-7A88-156ADFF461BA}"/>
+              </a:ext>
+            </a:extLst>
+          </p:cNvPr>
+          <p:cNvSpPr>
+            <a:spLocks noGrp="1"/>
+          </p:cNvSpPr>
+          <p:nvPr>
+            <p:ph idx="1"/>
+          </p:nvPr>
+        </p:nvSpPr>
+        <p:spPr/>
+        <p:txBody>
+          <a:bodyPr/>
+          <a:lstStyle/>
+          <a:p>
+            <a:r>
+              <a:rPr lang="en-US" dirty="0"/>
+              <a:t>Patient Age</a:t>
+            </a:r>
+          </a:p>
+          <a:p>
+            <a:r>
+              <a:rPr lang="en-US" dirty="0"/>
+              <a:t>Colonoscopy within 10 years</a:t>
+            </a:r>
+          </a:p>
+          <a:p>
+            <a:r>
+              <a:rPr lang="en-US" dirty="0"/>
+              <a:t>Flexible Sigmoidoscopy within 5 years</a:t>
+            </a:r>
+          </a:p>
+          <a:p>
+            <a:r>
+              <a:rPr lang="en-US" dirty="0"/>
+              <a:t>Fecal Occult Blood Test annually</a:t>
+            </a:r>
+          </a:p>
+          <a:p>
+            <a:r>
+              <a:rPr lang="en-US" dirty="0"/>
+              <a:t>FIT-DNA every 3 years</a:t>
+            </a:r>
+          </a:p>
+          <a:p>
+            <a:r>
+              <a:rPr lang="en-US" dirty="0"/>
+              <a:t>Computed tomographic colonography every 5 years</a:t>
+            </a:r>
+          </a:p>
+          <a:p>
+            <a:r>
+              <a:rPr lang="en-US" dirty="0"/>
+              <a:t>Has Colorectal Cancer</a:t>
+            </a:r>
+          </a:p>
+          <a:p>
+            <a:r>
+              <a:rPr lang="en-US" dirty="0"/>
+              <a:t>Has </a:t>
+            </a:r>
+            <a:r>
+              <a:rPr lang="en-US"/>
+              <a:t>Total Colectomy</a:t>
+            </a:r>
+            <a:endParaRPr lang="en-US" dirty="0"/>
+          </a:p>
+          <a:p>
+            <a:endParaRPr lang="en-US" dirty="0"/>
+          </a:p>
+          <a:p>
+            <a:endParaRPr lang="en-US" dirty="0"/>
+          </a:p>
+        </p:txBody>
+      </p:sp>
+    </p:spTree>
+    <p:extLst>
+      <p:ext uri="{BB962C8B-B14F-4D97-AF65-F5344CB8AC3E}">
+        <p14:creationId xmlns:p14="http://schemas.microsoft.com/office/powerpoint/2010/main" val="2386691780"/>
+      </p:ext>
+    </p:extLst>
+  </p:cSld>
+  <p:clrMapOvr>
+    <a:masterClrMapping/>
+  </p:clrMapOvr>
+</p:sld>
+</file>
+
+<file path=ppt/slides/slide7.xml><?xml version="1.0" encoding="utf-8"?>
+<p:sld xmlns:a="http://schemas.openxmlformats.org/drawingml/2006/main" xmlns:r="http://schemas.openxmlformats.org/officeDocument/2006/relationships" xmlns:p="http://schemas.openxmlformats.org/presentationml/2006/main">
+  <p:cSld>
+    <p:spTree>
+      <p:nvGrpSpPr>
+        <p:cNvPr id="1" name=""/>
+        <p:cNvGrpSpPr/>
+        <p:nvPr/>
+      </p:nvGrpSpPr>
+      <p:grpSpPr>
+        <a:xfrm>
+          <a:off x="0" y="0"/>
+          <a:ext cx="0" cy="0"/>
+          <a:chOff x="0" y="0"/>
+          <a:chExt cx="0" cy="0"/>
+        </a:xfrm>
+      </p:grpSpPr>
+      <p:sp>
+        <p:nvSpPr>
+          <p:cNvPr id="2" name="Title 1">
+            <a:extLst>
+              <a:ext uri="{FF2B5EF4-FFF2-40B4-BE49-F238E27FC236}">
+                <a16:creationId xmlns:a16="http://schemas.microsoft.com/office/drawing/2014/main" id="{72A0C10E-E156-AC1B-FA7E-CB5A5BCD09E3}"/>
+              </a:ext>
+            </a:extLst>
+          </p:cNvPr>
+          <p:cNvSpPr>
+            <a:spLocks noGrp="1"/>
+          </p:cNvSpPr>
+          <p:nvPr>
+            <p:ph type="title"/>
+          </p:nvPr>
+        </p:nvSpPr>
+        <p:spPr/>
+        <p:txBody>
+          <a:bodyPr/>
+          <a:lstStyle/>
+          <a:p>
+            <a:r>
+              <a:rPr lang="en-US" dirty="0"/>
+              <a:t>Flexible Sigmoidoscopy</a:t>
+            </a:r>
+          </a:p>
+        </p:txBody>
+      </p:sp>
+      <p:pic>
+        <p:nvPicPr>
+          <p:cNvPr id="5" name="Picture 4">
+            <a:extLst>
+              <a:ext uri="{FF2B5EF4-FFF2-40B4-BE49-F238E27FC236}">
+                <a16:creationId xmlns:a16="http://schemas.microsoft.com/office/drawing/2014/main" id="{FB552140-7413-B833-3928-4685ABB3D6FA}"/>
+              </a:ext>
+            </a:extLst>
+          </p:cNvPr>
+          <p:cNvPicPr>
+            <a:picLocks noChangeAspect="1"/>
+          </p:cNvPicPr>
+          <p:nvPr/>
+        </p:nvPicPr>
+        <p:blipFill>
+          <a:blip r:embed="rId2"/>
+          <a:stretch>
+            <a:fillRect/>
+          </a:stretch>
+        </p:blipFill>
+        <p:spPr>
+          <a:xfrm>
+            <a:off x="1839124" y="1896084"/>
+            <a:ext cx="6795120" cy="862458"/>
+          </a:xfrm>
+          <a:prstGeom prst="rect">
+            <a:avLst/>
+          </a:prstGeom>
+        </p:spPr>
+      </p:pic>
+      <p:pic>
+        <p:nvPicPr>
+          <p:cNvPr id="7" name="Picture 6">
+            <a:extLst>
+              <a:ext uri="{FF2B5EF4-FFF2-40B4-BE49-F238E27FC236}">
+                <a16:creationId xmlns:a16="http://schemas.microsoft.com/office/drawing/2014/main" id="{00EDF1B1-6F55-31B0-1605-898E6F6BD252}"/>
+              </a:ext>
+            </a:extLst>
+          </p:cNvPr>
+          <p:cNvPicPr>
+            <a:picLocks noChangeAspect="1"/>
+          </p:cNvPicPr>
+          <p:nvPr/>
+        </p:nvPicPr>
+        <p:blipFill>
+          <a:blip r:embed="rId3"/>
+          <a:stretch>
+            <a:fillRect/>
+          </a:stretch>
+        </p:blipFill>
+        <p:spPr>
+          <a:xfrm>
+            <a:off x="1839124" y="2884766"/>
+            <a:ext cx="7597236" cy="862457"/>
+          </a:xfrm>
+          <a:prstGeom prst="rect">
+            <a:avLst/>
+          </a:prstGeom>
+        </p:spPr>
+      </p:pic>
+      <p:pic>
+        <p:nvPicPr>
+          <p:cNvPr id="9" name="Picture 8">
+            <a:extLst>
+              <a:ext uri="{FF2B5EF4-FFF2-40B4-BE49-F238E27FC236}">
+                <a16:creationId xmlns:a16="http://schemas.microsoft.com/office/drawing/2014/main" id="{C398E4B6-9071-D6F1-7B26-A9CCDF7D84A3}"/>
+              </a:ext>
+            </a:extLst>
+          </p:cNvPr>
+          <p:cNvPicPr>
+            <a:picLocks noChangeAspect="1"/>
+          </p:cNvPicPr>
+          <p:nvPr/>
+        </p:nvPicPr>
+        <p:blipFill>
+          <a:blip r:embed="rId4"/>
+          <a:stretch>
+            <a:fillRect/>
+          </a:stretch>
+        </p:blipFill>
+        <p:spPr>
+          <a:xfrm>
+            <a:off x="1853813" y="3887218"/>
+            <a:ext cx="6092678" cy="783934"/>
+          </a:xfrm>
+          <a:prstGeom prst="rect">
+            <a:avLst/>
+          </a:prstGeom>
+        </p:spPr>
+      </p:pic>
+    </p:spTree>
+    <p:extLst>
+      <p:ext uri="{BB962C8B-B14F-4D97-AF65-F5344CB8AC3E}">
+        <p14:creationId xmlns:p14="http://schemas.microsoft.com/office/powerpoint/2010/main" val="1726691828"/>
+      </p:ext>
+    </p:extLst>
+  </p:cSld>
+  <p:clrMapOvr>
+    <a:masterClrMapping/>
+  </p:clrMapOvr>
+</p:sld>
+</file>
+
 <file path=ppt/theme/theme1.xml><?xml version="1.0" encoding="utf-8"?>
 <a:theme xmlns:a="http://schemas.openxmlformats.org/drawingml/2006/main" name="Office Theme">
   <a:themeElements>

--- a/Source/Cooking With CQL/69/ColorectalCancerScreeningExample.pptx
+++ b/Source/Cooking With CQL/69/ColorectalCancerScreeningExample.pptx
@@ -12,6 +12,9 @@
     <p:sldId id="4826" r:id="rId6"/>
     <p:sldId id="4827" r:id="rId7"/>
     <p:sldId id="4828" r:id="rId8"/>
+    <p:sldId id="4830" r:id="rId9"/>
+    <p:sldId id="4829" r:id="rId10"/>
+    <p:sldId id="4831" r:id="rId11"/>
   </p:sldIdLst>
   <p:sldSz cx="12192000" cy="6858000"/>
   <p:notesSz cx="6858000" cy="9144000"/>
@@ -3401,6 +3404,124 @@
 </p:sld>
 </file>
 
+<file path=ppt/slides/slide10.xml><?xml version="1.0" encoding="utf-8"?>
+<p:sld xmlns:a="http://schemas.openxmlformats.org/drawingml/2006/main" xmlns:r="http://schemas.openxmlformats.org/officeDocument/2006/relationships" xmlns:p="http://schemas.openxmlformats.org/presentationml/2006/main">
+  <p:cSld>
+    <p:spTree>
+      <p:nvGrpSpPr>
+        <p:cNvPr id="1" name=""/>
+        <p:cNvGrpSpPr/>
+        <p:nvPr/>
+      </p:nvGrpSpPr>
+      <p:grpSpPr>
+        <a:xfrm>
+          <a:off x="0" y="0"/>
+          <a:ext cx="0" cy="0"/>
+          <a:chOff x="0" y="0"/>
+          <a:chExt cx="0" cy="0"/>
+        </a:xfrm>
+      </p:grpSpPr>
+      <p:sp>
+        <p:nvSpPr>
+          <p:cNvPr id="2" name="Title 1">
+            <a:extLst>
+              <a:ext uri="{FF2B5EF4-FFF2-40B4-BE49-F238E27FC236}">
+                <a16:creationId xmlns:a16="http://schemas.microsoft.com/office/drawing/2014/main" id="{70214E9A-3085-62A9-E49C-4A179CB0D1D0}"/>
+              </a:ext>
+            </a:extLst>
+          </p:cNvPr>
+          <p:cNvSpPr>
+            <a:spLocks noGrp="1"/>
+          </p:cNvSpPr>
+          <p:nvPr>
+            <p:ph type="title"/>
+          </p:nvPr>
+        </p:nvSpPr>
+        <p:spPr/>
+        <p:txBody>
+          <a:bodyPr/>
+          <a:lstStyle/>
+          <a:p>
+            <a:r>
+              <a:rPr lang="en-US" dirty="0"/>
+              <a:t>Usage for Decision Support</a:t>
+            </a:r>
+          </a:p>
+        </p:txBody>
+      </p:sp>
+      <p:pic>
+        <p:nvPicPr>
+          <p:cNvPr id="5" name="Picture 4">
+            <a:extLst>
+              <a:ext uri="{FF2B5EF4-FFF2-40B4-BE49-F238E27FC236}">
+                <a16:creationId xmlns:a16="http://schemas.microsoft.com/office/drawing/2014/main" id="{288C3AE3-39C3-2E31-AA9C-B0CC60A57FA8}"/>
+              </a:ext>
+            </a:extLst>
+          </p:cNvPr>
+          <p:cNvPicPr>
+            <a:picLocks noChangeAspect="1"/>
+          </p:cNvPicPr>
+          <p:nvPr/>
+        </p:nvPicPr>
+        <p:blipFill>
+          <a:blip r:embed="rId2"/>
+          <a:stretch>
+            <a:fillRect/>
+          </a:stretch>
+        </p:blipFill>
+        <p:spPr>
+          <a:xfrm>
+            <a:off x="548243" y="2455265"/>
+            <a:ext cx="5547757" cy="1174186"/>
+          </a:xfrm>
+          <a:prstGeom prst="rect">
+            <a:avLst/>
+          </a:prstGeom>
+        </p:spPr>
+      </p:pic>
+      <p:pic>
+        <p:nvPicPr>
+          <p:cNvPr id="7" name="Picture 6">
+            <a:extLst>
+              <a:ext uri="{FF2B5EF4-FFF2-40B4-BE49-F238E27FC236}">
+                <a16:creationId xmlns:a16="http://schemas.microsoft.com/office/drawing/2014/main" id="{2C21F0D5-C6E7-3C5B-BE86-D5BF9D66823F}"/>
+              </a:ext>
+            </a:extLst>
+          </p:cNvPr>
+          <p:cNvPicPr>
+            <a:picLocks noChangeAspect="1"/>
+          </p:cNvPicPr>
+          <p:nvPr/>
+        </p:nvPicPr>
+        <p:blipFill>
+          <a:blip r:embed="rId3"/>
+          <a:stretch>
+            <a:fillRect/>
+          </a:stretch>
+        </p:blipFill>
+        <p:spPr>
+          <a:xfrm>
+            <a:off x="548243" y="3923698"/>
+            <a:ext cx="10772413" cy="2091512"/>
+          </a:xfrm>
+          <a:prstGeom prst="rect">
+            <a:avLst/>
+          </a:prstGeom>
+        </p:spPr>
+      </p:pic>
+    </p:spTree>
+    <p:extLst>
+      <p:ext uri="{BB962C8B-B14F-4D97-AF65-F5344CB8AC3E}">
+        <p14:creationId xmlns:p14="http://schemas.microsoft.com/office/powerpoint/2010/main" val="3456809516"/>
+      </p:ext>
+    </p:extLst>
+  </p:cSld>
+  <p:clrMapOvr>
+    <a:masterClrMapping/>
+  </p:clrMapOvr>
+</p:sld>
+</file>
+
 <file path=ppt/slides/slide2.xml><?xml version="1.0" encoding="utf-8"?>
 <p:sld xmlns:a="http://schemas.openxmlformats.org/drawingml/2006/main" xmlns:r="http://schemas.openxmlformats.org/officeDocument/2006/relationships" xmlns:p="http://schemas.openxmlformats.org/presentationml/2006/main">
   <p:cSld>
@@ -4037,13 +4158,8 @@
           <a:p>
             <a:r>
               <a:rPr lang="en-US" dirty="0"/>
-              <a:t>Has </a:t>
-            </a:r>
-            <a:r>
-              <a:rPr lang="en-US"/>
-              <a:t>Total Colectomy</a:t>
-            </a:r>
-            <a:endParaRPr lang="en-US" dirty="0"/>
+              <a:t>Has Total Colectomy</a:t>
+            </a:r>
           </a:p>
           <a:p>
             <a:endParaRPr lang="en-US" dirty="0"/>
@@ -4205,6 +4321,212 @@
     <p:extLst>
       <p:ext uri="{BB962C8B-B14F-4D97-AF65-F5344CB8AC3E}">
         <p14:creationId xmlns:p14="http://schemas.microsoft.com/office/powerpoint/2010/main" val="1726691828"/>
+      </p:ext>
+    </p:extLst>
+  </p:cSld>
+  <p:clrMapOvr>
+    <a:masterClrMapping/>
+  </p:clrMapOvr>
+</p:sld>
+</file>
+
+<file path=ppt/slides/slide8.xml><?xml version="1.0" encoding="utf-8"?>
+<p:sld xmlns:a="http://schemas.openxmlformats.org/drawingml/2006/main" xmlns:r="http://schemas.openxmlformats.org/officeDocument/2006/relationships" xmlns:p="http://schemas.openxmlformats.org/presentationml/2006/main">
+  <p:cSld>
+    <p:spTree>
+      <p:nvGrpSpPr>
+        <p:cNvPr id="1" name=""/>
+        <p:cNvGrpSpPr/>
+        <p:nvPr/>
+      </p:nvGrpSpPr>
+      <p:grpSpPr>
+        <a:xfrm>
+          <a:off x="0" y="0"/>
+          <a:ext cx="0" cy="0"/>
+          <a:chOff x="0" y="0"/>
+          <a:chExt cx="0" cy="0"/>
+        </a:xfrm>
+      </p:grpSpPr>
+      <p:sp>
+        <p:nvSpPr>
+          <p:cNvPr id="2" name="Title 1">
+            <a:extLst>
+              <a:ext uri="{FF2B5EF4-FFF2-40B4-BE49-F238E27FC236}">
+                <a16:creationId xmlns:a16="http://schemas.microsoft.com/office/drawing/2014/main" id="{7E77B7FE-6F2F-4870-2073-B1E50C140A3B}"/>
+              </a:ext>
+            </a:extLst>
+          </p:cNvPr>
+          <p:cNvSpPr>
+            <a:spLocks noGrp="1"/>
+          </p:cNvSpPr>
+          <p:nvPr>
+            <p:ph type="title"/>
+          </p:nvPr>
+        </p:nvSpPr>
+        <p:spPr/>
+        <p:txBody>
+          <a:bodyPr/>
+          <a:lstStyle/>
+          <a:p>
+            <a:r>
+              <a:rPr lang="en-US" dirty="0"/>
+              <a:t>Has Appropriate Colorectal Cancer Screening</a:t>
+            </a:r>
+          </a:p>
+        </p:txBody>
+      </p:sp>
+      <p:pic>
+        <p:nvPicPr>
+          <p:cNvPr id="5" name="Picture 4">
+            <a:extLst>
+              <a:ext uri="{FF2B5EF4-FFF2-40B4-BE49-F238E27FC236}">
+                <a16:creationId xmlns:a16="http://schemas.microsoft.com/office/drawing/2014/main" id="{76958B26-1BB3-6D8A-0B8A-EBF926C17539}"/>
+              </a:ext>
+            </a:extLst>
+          </p:cNvPr>
+          <p:cNvPicPr>
+            <a:picLocks noChangeAspect="1"/>
+          </p:cNvPicPr>
+          <p:nvPr/>
+        </p:nvPicPr>
+        <p:blipFill>
+          <a:blip r:embed="rId2"/>
+          <a:stretch>
+            <a:fillRect/>
+          </a:stretch>
+        </p:blipFill>
+        <p:spPr>
+          <a:xfrm>
+            <a:off x="2087020" y="2512462"/>
+            <a:ext cx="8017960" cy="1833076"/>
+          </a:xfrm>
+          <a:prstGeom prst="rect">
+            <a:avLst/>
+          </a:prstGeom>
+        </p:spPr>
+      </p:pic>
+    </p:spTree>
+    <p:extLst>
+      <p:ext uri="{BB962C8B-B14F-4D97-AF65-F5344CB8AC3E}">
+        <p14:creationId xmlns:p14="http://schemas.microsoft.com/office/powerpoint/2010/main" val="404481321"/>
+      </p:ext>
+    </p:extLst>
+  </p:cSld>
+  <p:clrMapOvr>
+    <a:masterClrMapping/>
+  </p:clrMapOvr>
+</p:sld>
+</file>
+
+<file path=ppt/slides/slide9.xml><?xml version="1.0" encoding="utf-8"?>
+<p:sld xmlns:a="http://schemas.openxmlformats.org/drawingml/2006/main" xmlns:r="http://schemas.openxmlformats.org/officeDocument/2006/relationships" xmlns:p="http://schemas.openxmlformats.org/presentationml/2006/main">
+  <p:cSld>
+    <p:spTree>
+      <p:nvGrpSpPr>
+        <p:cNvPr id="1" name=""/>
+        <p:cNvGrpSpPr/>
+        <p:nvPr/>
+      </p:nvGrpSpPr>
+      <p:grpSpPr>
+        <a:xfrm>
+          <a:off x="0" y="0"/>
+          <a:ext cx="0" cy="0"/>
+          <a:chOff x="0" y="0"/>
+          <a:chExt cx="0" cy="0"/>
+        </a:xfrm>
+      </p:grpSpPr>
+      <p:sp>
+        <p:nvSpPr>
+          <p:cNvPr id="2" name="Title 1">
+            <a:extLst>
+              <a:ext uri="{FF2B5EF4-FFF2-40B4-BE49-F238E27FC236}">
+                <a16:creationId xmlns:a16="http://schemas.microsoft.com/office/drawing/2014/main" id="{84E7EDDB-DFAC-08EB-33B0-676CB3BE26F6}"/>
+              </a:ext>
+            </a:extLst>
+          </p:cNvPr>
+          <p:cNvSpPr>
+            <a:spLocks noGrp="1"/>
+          </p:cNvSpPr>
+          <p:nvPr>
+            <p:ph type="title"/>
+          </p:nvPr>
+        </p:nvSpPr>
+        <p:spPr/>
+        <p:txBody>
+          <a:bodyPr/>
+          <a:lstStyle/>
+          <a:p>
+            <a:r>
+              <a:rPr lang="en-US" dirty="0"/>
+              <a:t>Usage for Quality Measurement</a:t>
+            </a:r>
+          </a:p>
+        </p:txBody>
+      </p:sp>
+      <p:pic>
+        <p:nvPicPr>
+          <p:cNvPr id="5" name="Picture 4">
+            <a:extLst>
+              <a:ext uri="{FF2B5EF4-FFF2-40B4-BE49-F238E27FC236}">
+                <a16:creationId xmlns:a16="http://schemas.microsoft.com/office/drawing/2014/main" id="{22E6DAAA-0BC3-3504-CCF2-40B8886971AE}"/>
+              </a:ext>
+            </a:extLst>
+          </p:cNvPr>
+          <p:cNvPicPr>
+            <a:picLocks noChangeAspect="1"/>
+          </p:cNvPicPr>
+          <p:nvPr/>
+        </p:nvPicPr>
+        <p:blipFill>
+          <a:blip r:embed="rId2"/>
+          <a:stretch>
+            <a:fillRect/>
+          </a:stretch>
+        </p:blipFill>
+        <p:spPr>
+          <a:xfrm>
+            <a:off x="1620953" y="1839366"/>
+            <a:ext cx="7294376" cy="2225858"/>
+          </a:xfrm>
+          <a:prstGeom prst="rect">
+            <a:avLst/>
+          </a:prstGeom>
+        </p:spPr>
+      </p:pic>
+      <p:pic>
+        <p:nvPicPr>
+          <p:cNvPr id="7" name="Picture 6">
+            <a:extLst>
+              <a:ext uri="{FF2B5EF4-FFF2-40B4-BE49-F238E27FC236}">
+                <a16:creationId xmlns:a16="http://schemas.microsoft.com/office/drawing/2014/main" id="{C4D5319C-5604-C0D4-8C16-29D99371E912}"/>
+              </a:ext>
+            </a:extLst>
+          </p:cNvPr>
+          <p:cNvPicPr>
+            <a:picLocks noChangeAspect="1"/>
+          </p:cNvPicPr>
+          <p:nvPr/>
+        </p:nvPicPr>
+        <p:blipFill>
+          <a:blip r:embed="rId3"/>
+          <a:stretch>
+            <a:fillRect/>
+          </a:stretch>
+        </p:blipFill>
+        <p:spPr>
+          <a:xfrm>
+            <a:off x="1620953" y="4312196"/>
+            <a:ext cx="5817269" cy="964884"/>
+          </a:xfrm>
+          <a:prstGeom prst="rect">
+            <a:avLst/>
+          </a:prstGeom>
+        </p:spPr>
+      </p:pic>
+    </p:spTree>
+    <p:extLst>
+      <p:ext uri="{BB962C8B-B14F-4D97-AF65-F5344CB8AC3E}">
+        <p14:creationId xmlns:p14="http://schemas.microsoft.com/office/powerpoint/2010/main" val="912673660"/>
       </p:ext>
     </p:extLst>
   </p:cSld>
